--- a/Steam Reviews.pptx
+++ b/Steam Reviews.pptx
@@ -7,6 +7,10 @@
   <p:sldIdLst>
     <p:sldId id="256" r:id="rId3"/>
     <p:sldId id="257" r:id="rId4"/>
+    <p:sldId id="260" r:id="rId5"/>
+    <p:sldId id="259" r:id="rId6"/>
+    <p:sldId id="258" r:id="rId7"/>
+    <p:sldId id="261" r:id="rId8"/>
   </p:sldIdLst>
   <p:sldSz cx="12192000" cy="6858000"/>
   <p:notesSz cx="6858000" cy="9144000"/>
@@ -3029,14 +3033,343 @@
         </p:blipFill>
         <p:spPr>
           <a:xfrm>
-            <a:off x="3657600" y="878840"/>
-            <a:ext cx="2726690" cy="4351655"/>
+            <a:off x="3912235" y="100330"/>
+            <a:ext cx="4083050" cy="6516370"/>
           </a:xfrm>
           <a:prstGeom prst="rect">
             <a:avLst/>
           </a:prstGeom>
         </p:spPr>
       </p:pic>
+    </p:spTree>
+  </p:cSld>
+  <p:clrMapOvr>
+    <a:masterClrMapping/>
+  </p:clrMapOvr>
+</p:sld>
+</file>
+
+<file path=ppt/slides/slide3.xml><?xml version="1.0" encoding="utf-8"?>
+<p:sld xmlns:a="http://schemas.openxmlformats.org/drawingml/2006/main" xmlns:r="http://schemas.openxmlformats.org/officeDocument/2006/relationships" xmlns:p="http://schemas.openxmlformats.org/presentationml/2006/main">
+  <p:cSld>
+    <p:spTree>
+      <p:nvGrpSpPr>
+        <p:cNvPr id="1" name=""/>
+        <p:cNvGrpSpPr/>
+        <p:nvPr/>
+      </p:nvGrpSpPr>
+      <p:grpSpPr/>
+      <p:sp>
+        <p:nvSpPr>
+          <p:cNvPr id="2" name="标题 1"/>
+          <p:cNvSpPr>
+            <a:spLocks noGrp="1"/>
+          </p:cNvSpPr>
+          <p:nvPr>
+            <p:ph type="title"/>
+          </p:nvPr>
+        </p:nvSpPr>
+        <p:spPr/>
+        <p:txBody>
+          <a:bodyPr/>
+          <a:p>
+            <a:endParaRPr lang="zh-CN" altLang="en-US"/>
+          </a:p>
+        </p:txBody>
+      </p:sp>
+      <p:sp>
+        <p:nvSpPr>
+          <p:cNvPr id="3" name="内容占位符 2"/>
+          <p:cNvSpPr>
+            <a:spLocks noGrp="1"/>
+          </p:cNvSpPr>
+          <p:nvPr>
+            <p:ph idx="1"/>
+          </p:nvPr>
+        </p:nvSpPr>
+        <p:spPr/>
+        <p:txBody>
+          <a:bodyPr/>
+          <a:p>
+            <a:endParaRPr lang="zh-CN" altLang="en-US"/>
+          </a:p>
+        </p:txBody>
+      </p:sp>
+      <p:pic>
+        <p:nvPicPr>
+          <p:cNvPr id="5" name="图片 4" descr="output"/>
+          <p:cNvPicPr>
+            <a:picLocks noChangeAspect="1"/>
+          </p:cNvPicPr>
+          <p:nvPr/>
+        </p:nvPicPr>
+        <p:blipFill>
+          <a:blip r:embed="rId1"/>
+          <a:stretch>
+            <a:fillRect/>
+          </a:stretch>
+        </p:blipFill>
+        <p:spPr>
+          <a:xfrm>
+            <a:off x="659765" y="1311910"/>
+            <a:ext cx="4914900" cy="4927600"/>
+          </a:xfrm>
+          <a:prstGeom prst="rect">
+            <a:avLst/>
+          </a:prstGeom>
+        </p:spPr>
+      </p:pic>
+      <p:pic>
+        <p:nvPicPr>
+          <p:cNvPr id="7" name="图片 6" descr="sample output"/>
+          <p:cNvPicPr>
+            <a:picLocks noChangeAspect="1"/>
+          </p:cNvPicPr>
+          <p:nvPr/>
+        </p:nvPicPr>
+        <p:blipFill>
+          <a:blip r:embed="rId2"/>
+          <a:stretch>
+            <a:fillRect/>
+          </a:stretch>
+        </p:blipFill>
+        <p:spPr>
+          <a:xfrm>
+            <a:off x="6362700" y="1366520"/>
+            <a:ext cx="4991100" cy="4927600"/>
+          </a:xfrm>
+          <a:prstGeom prst="rect">
+            <a:avLst/>
+          </a:prstGeom>
+        </p:spPr>
+      </p:pic>
+    </p:spTree>
+  </p:cSld>
+  <p:clrMapOvr>
+    <a:masterClrMapping/>
+  </p:clrMapOvr>
+</p:sld>
+</file>
+
+<file path=ppt/slides/slide4.xml><?xml version="1.0" encoding="utf-8"?>
+<p:sld xmlns:a="http://schemas.openxmlformats.org/drawingml/2006/main" xmlns:r="http://schemas.openxmlformats.org/officeDocument/2006/relationships" xmlns:p="http://schemas.openxmlformats.org/presentationml/2006/main">
+  <p:cSld>
+    <p:spTree>
+      <p:nvGrpSpPr>
+        <p:cNvPr id="1" name=""/>
+        <p:cNvGrpSpPr/>
+        <p:nvPr/>
+      </p:nvGrpSpPr>
+      <p:grpSpPr/>
+      <p:pic>
+        <p:nvPicPr>
+          <p:cNvPr id="4" name="图片 3" descr="Dataset Genres Pie Plot"/>
+          <p:cNvPicPr>
+            <a:picLocks noChangeAspect="1"/>
+          </p:cNvPicPr>
+          <p:nvPr/>
+        </p:nvPicPr>
+        <p:blipFill>
+          <a:blip r:embed="rId1"/>
+          <a:stretch>
+            <a:fillRect/>
+          </a:stretch>
+        </p:blipFill>
+        <p:spPr>
+          <a:xfrm>
+            <a:off x="-274320" y="488315"/>
+            <a:ext cx="6151245" cy="6151245"/>
+          </a:xfrm>
+          <a:prstGeom prst="rect">
+            <a:avLst/>
+          </a:prstGeom>
+        </p:spPr>
+      </p:pic>
+      <p:pic>
+        <p:nvPicPr>
+          <p:cNvPr id="8" name="图片 7" descr="Sample Genres Pie Plot"/>
+          <p:cNvPicPr>
+            <a:picLocks noChangeAspect="1"/>
+          </p:cNvPicPr>
+          <p:nvPr/>
+        </p:nvPicPr>
+        <p:blipFill>
+          <a:blip r:embed="rId2"/>
+          <a:stretch>
+            <a:fillRect/>
+          </a:stretch>
+        </p:blipFill>
+        <p:spPr>
+          <a:xfrm>
+            <a:off x="5740400" y="449580"/>
+            <a:ext cx="6189980" cy="6189980"/>
+          </a:xfrm>
+          <a:prstGeom prst="rect">
+            <a:avLst/>
+          </a:prstGeom>
+        </p:spPr>
+      </p:pic>
+    </p:spTree>
+  </p:cSld>
+  <p:clrMapOvr>
+    <a:masterClrMapping/>
+  </p:clrMapOvr>
+</p:sld>
+</file>
+
+<file path=ppt/slides/slide5.xml><?xml version="1.0" encoding="utf-8"?>
+<p:sld xmlns:a="http://schemas.openxmlformats.org/drawingml/2006/main" xmlns:r="http://schemas.openxmlformats.org/officeDocument/2006/relationships" xmlns:p="http://schemas.openxmlformats.org/presentationml/2006/main">
+  <p:cSld>
+    <p:spTree>
+      <p:nvGrpSpPr>
+        <p:cNvPr id="1" name=""/>
+        <p:cNvGrpSpPr/>
+        <p:nvPr/>
+      </p:nvGrpSpPr>
+      <p:grpSpPr/>
+      <p:sp>
+        <p:nvSpPr>
+          <p:cNvPr id="2" name="标题 1"/>
+          <p:cNvSpPr>
+            <a:spLocks noGrp="1"/>
+          </p:cNvSpPr>
+          <p:nvPr>
+            <p:ph type="title"/>
+          </p:nvPr>
+        </p:nvSpPr>
+        <p:spPr/>
+        <p:txBody>
+          <a:bodyPr/>
+          <a:p>
+            <a:endParaRPr lang="zh-CN" altLang="en-US"/>
+          </a:p>
+        </p:txBody>
+      </p:sp>
+      <p:pic>
+        <p:nvPicPr>
+          <p:cNvPr id="4" name="内容占位符 3"/>
+          <p:cNvPicPr>
+            <a:picLocks noChangeAspect="1"/>
+          </p:cNvPicPr>
+          <p:nvPr>
+            <p:ph idx="1"/>
+          </p:nvPr>
+        </p:nvPicPr>
+        <p:blipFill>
+          <a:blip r:embed="rId1"/>
+          <a:stretch>
+            <a:fillRect/>
+          </a:stretch>
+        </p:blipFill>
+        <p:spPr>
+          <a:xfrm>
+            <a:off x="716915" y="1775460"/>
+            <a:ext cx="11128375" cy="2317750"/>
+          </a:xfrm>
+          <a:prstGeom prst="rect">
+            <a:avLst/>
+          </a:prstGeom>
+        </p:spPr>
+      </p:pic>
+    </p:spTree>
+  </p:cSld>
+  <p:clrMapOvr>
+    <a:masterClrMapping/>
+  </p:clrMapOvr>
+</p:sld>
+</file>
+
+<file path=ppt/slides/slide6.xml><?xml version="1.0" encoding="utf-8"?>
+<p:sld xmlns:a="http://schemas.openxmlformats.org/drawingml/2006/main" xmlns:r="http://schemas.openxmlformats.org/officeDocument/2006/relationships" xmlns:p="http://schemas.openxmlformats.org/presentationml/2006/main">
+  <p:cSld>
+    <p:spTree>
+      <p:nvGrpSpPr>
+        <p:cNvPr id="1" name=""/>
+        <p:cNvGrpSpPr/>
+        <p:nvPr/>
+      </p:nvGrpSpPr>
+      <p:grpSpPr/>
+      <p:sp>
+        <p:nvSpPr>
+          <p:cNvPr id="2" name="标题 1"/>
+          <p:cNvSpPr>
+            <a:spLocks noGrp="1"/>
+          </p:cNvSpPr>
+          <p:nvPr>
+            <p:ph type="title"/>
+          </p:nvPr>
+        </p:nvSpPr>
+        <p:spPr/>
+        <p:txBody>
+          <a:bodyPr/>
+          <a:p>
+            <a:r>
+              <a:rPr lang="en-US" altLang="zh-CN"/>
+              <a:t>Data Cleaning</a:t>
+            </a:r>
+            <a:endParaRPr lang="en-US" altLang="zh-CN"/>
+          </a:p>
+        </p:txBody>
+      </p:sp>
+      <p:sp>
+        <p:nvSpPr>
+          <p:cNvPr id="3" name="内容占位符 2"/>
+          <p:cNvSpPr>
+            <a:spLocks noGrp="1"/>
+          </p:cNvSpPr>
+          <p:nvPr>
+            <p:ph idx="1"/>
+          </p:nvPr>
+        </p:nvSpPr>
+        <p:spPr/>
+        <p:txBody>
+          <a:bodyPr/>
+          <a:p>
+            <a:r>
+              <a:rPr lang="en-US" altLang="zh-CN"/>
+              <a:t>Drop na</a:t>
+            </a:r>
+            <a:endParaRPr lang="en-US" altLang="zh-CN"/>
+          </a:p>
+          <a:p>
+            <a:r>
+              <a:rPr lang="en-US" altLang="zh-CN"/>
+              <a:t>Drop_duplicates</a:t>
+            </a:r>
+            <a:endParaRPr lang="en-US" altLang="zh-CN"/>
+          </a:p>
+          <a:p>
+            <a:r>
+              <a:rPr lang="en-US" altLang="zh-CN"/>
+              <a:t>Drop if not string</a:t>
+            </a:r>
+            <a:endParaRPr lang="en-US" altLang="zh-CN"/>
+          </a:p>
+          <a:p>
+            <a:r>
+              <a:rPr lang="en-US" altLang="zh-CN"/>
+              <a:t>Replace only number and misspelling(dropna again)</a:t>
+            </a:r>
+            <a:endParaRPr lang="en-US" altLang="zh-CN"/>
+          </a:p>
+          <a:p>
+            <a:r>
+              <a:rPr lang="en-US" altLang="zh-CN"/>
+              <a:t>Convert lowercase if it is a word(normalization)</a:t>
+            </a:r>
+            <a:endParaRPr lang="en-US" altLang="zh-CN"/>
+          </a:p>
+          <a:p>
+            <a:pPr marL="0" indent="0">
+              <a:buNone/>
+            </a:pPr>
+            <a:endParaRPr lang="en-US" altLang="zh-CN"/>
+          </a:p>
+          <a:p>
+            <a:endParaRPr lang="en-US" altLang="zh-CN"/>
+          </a:p>
+        </p:txBody>
+      </p:sp>
     </p:spTree>
   </p:cSld>
   <p:clrMapOvr>
